--- a/publications/slides/S5_sel4_uxas.pptx
+++ b/publications/slides/S5_sel4_uxas.pptx
@@ -127,7 +127,7 @@
   </p:defaultTextStyle>
   <p:extLst>
     <p:ext uri="{EFAFB233-063F-42B5-8137-9DF3F51BA10A}">
-      <p15:sldGuideLst xmlns:p15="http://schemas.microsoft.com/office/powerpoint/2012/main" xmlns=""/>
+      <p15:sldGuideLst xmlns="" xmlns:p15="http://schemas.microsoft.com/office/powerpoint/2012/main"/>
     </p:ext>
   </p:extLst>
 </p:presentation>
@@ -215,7 +215,7 @@
           <a:p>
             <a:fld id="{7E04793A-A12B-44AC-A0A5-947722C372BD}" type="datetimeFigureOut">
               <a:rPr lang="en-US" smtClean="0"/>
-              <a:t>8/2/2017</a:t>
+              <a:t>4/4/2018</a:t>
             </a:fld>
             <a:endParaRPr lang="en-US"/>
           </a:p>
@@ -5322,24 +5322,6 @@
           <a:p>
             <a:pPr algn="ctr"/>
             <a:r>
-              <a:rPr lang="en-US" kern="0" cap="small" dirty="0" err="1" smtClean="0">
-                <a:solidFill>
-                  <a:prstClr val="white"/>
-                </a:solidFill>
-                <a:effectLst>
-                  <a:outerShdw blurRad="38100" dist="38100" dir="2700000" algn="tl">
-                    <a:srgbClr val="000000">
-                      <a:alpha val="43137"/>
-                    </a:srgbClr>
-                  </a:outerShdw>
-                </a:effectLst>
-                <a:latin typeface="Segoe UI" pitchFamily="34" charset="0"/>
-                <a:ea typeface="Segoe UI" pitchFamily="34" charset="0"/>
-                <a:cs typeface="Segoe UI" pitchFamily="34" charset="0"/>
-              </a:rPr>
-              <a:t>Waypiont</a:t>
-            </a:r>
-            <a:r>
               <a:rPr lang="en-US" kern="0" cap="small" dirty="0" smtClean="0">
                 <a:solidFill>
                   <a:prstClr val="white"/>
@@ -5355,7 +5337,25 @@
                 <a:ea typeface="Segoe UI" pitchFamily="34" charset="0"/>
                 <a:cs typeface="Segoe UI" pitchFamily="34" charset="0"/>
               </a:rPr>
-              <a:t> Manager</a:t>
+              <a:t>Waypoint </a:t>
+            </a:r>
+            <a:r>
+              <a:rPr lang="en-US" kern="0" cap="small" dirty="0" smtClean="0">
+                <a:solidFill>
+                  <a:prstClr val="white"/>
+                </a:solidFill>
+                <a:effectLst>
+                  <a:outerShdw blurRad="38100" dist="38100" dir="2700000" algn="tl">
+                    <a:srgbClr val="000000">
+                      <a:alpha val="43137"/>
+                    </a:srgbClr>
+                  </a:outerShdw>
+                </a:effectLst>
+                <a:latin typeface="Segoe UI" pitchFamily="34" charset="0"/>
+                <a:ea typeface="Segoe UI" pitchFamily="34" charset="0"/>
+                <a:cs typeface="Segoe UI" pitchFamily="34" charset="0"/>
+              </a:rPr>
+              <a:t>Manager</a:t>
             </a:r>
             <a:endParaRPr lang="en-US" kern="0" cap="small" dirty="0">
               <a:solidFill>
@@ -27102,13 +27102,8 @@
             </a:r>
             <a:r>
               <a:rPr lang="en-US" dirty="0" smtClean="0"/>
-              <a:t> is an Isabelle/HOL extension that provides a framework for reasoning about C </a:t>
-            </a:r>
-            <a:r>
-              <a:rPr lang="en-US" dirty="0" smtClean="0"/>
-              <a:t>programs</a:t>
-            </a:r>
-            <a:endParaRPr lang="en-US" dirty="0" smtClean="0"/>
+              <a:t> is an Isabelle/HOL extension that provides a framework for reasoning about C programs</a:t>
+            </a:r>
           </a:p>
           <a:p>
             <a:endParaRPr lang="en-US" dirty="0"/>
@@ -32746,19 +32741,6 @@
                     </a:rPr>
                     <a:t>SIM</a:t>
                   </a:r>
-                  <a:endParaRPr kumimoji="0" lang="en-US" sz="1800" b="1" i="0" u="none" strike="noStrike" kern="0" cap="none" spc="0" normalizeH="0" baseline="0" noProof="0" dirty="0" smtClean="0">
-                    <a:ln>
-                      <a:noFill/>
-                    </a:ln>
-                    <a:solidFill>
-                      <a:srgbClr val="000000"/>
-                    </a:solidFill>
-                    <a:effectLst/>
-                    <a:uLnTx/>
-                    <a:uFillTx/>
-                    <a:latin typeface="Tw Cen MT" panose="020B0602020104020603" pitchFamily="34" charset="0"/>
-                    <a:cs typeface="Arial" pitchFamily="34" charset="0"/>
-                  </a:endParaRPr>
                 </a:p>
               </p:txBody>
             </p:sp>
@@ -32944,19 +32926,6 @@
                 </a:rPr>
                 <a:t>Simulator</a:t>
               </a:r>
-              <a:endParaRPr kumimoji="0" lang="en-US" sz="1000" b="1" i="0" u="none" strike="noStrike" kern="0" cap="none" spc="0" normalizeH="0" baseline="0" noProof="0" dirty="0" smtClean="0">
-                <a:ln>
-                  <a:noFill/>
-                </a:ln>
-                <a:solidFill>
-                  <a:srgbClr val="000000"/>
-                </a:solidFill>
-                <a:effectLst/>
-                <a:uLnTx/>
-                <a:uFillTx/>
-                <a:latin typeface="Verdana"/>
-                <a:cs typeface="Arial" pitchFamily="34" charset="0"/>
-              </a:endParaRPr>
             </a:p>
           </p:txBody>
         </p:sp>
@@ -33986,7 +33955,7 @@
   <a:extraClrSchemeLst/>
   <a:extLst>
     <a:ext uri="{05A4C25C-085E-4340-85A3-A5531E510DB2}">
-      <thm15:themeFamily xmlns:thm15="http://schemas.microsoft.com/office/thememl/2012/main" xmlns="" name="Office Theme" id="{62F939B6-93AF-4DB8-9C6B-D6C7DFDC589F}" vid="{4A3C46E8-61CC-4603-A589-7422A47A8E4A}"/>
+      <thm15:themeFamily xmlns="" xmlns:thm15="http://schemas.microsoft.com/office/thememl/2012/main" name="Office Theme" id="{62F939B6-93AF-4DB8-9C6B-D6C7DFDC589F}" vid="{4A3C46E8-61CC-4603-A589-7422A47A8E4A}"/>
     </a:ext>
   </a:extLst>
 </a:theme>
@@ -34247,7 +34216,7 @@
   <a:extraClrSchemeLst/>
   <a:extLst>
     <a:ext uri="{05A4C25C-085E-4340-85A3-A5531E510DB2}">
-      <thm15:themeFamily xmlns:thm15="http://schemas.microsoft.com/office/thememl/2012/main" xmlns="" name="Office Theme" id="{62F939B6-93AF-4DB8-9C6B-D6C7DFDC589F}" vid="{4A3C46E8-61CC-4603-A589-7422A47A8E4A}"/>
+      <thm15:themeFamily xmlns="" xmlns:thm15="http://schemas.microsoft.com/office/thememl/2012/main" name="Office Theme" id="{62F939B6-93AF-4DB8-9C6B-D6C7DFDC589F}" vid="{4A3C46E8-61CC-4603-A589-7422A47A8E4A}"/>
     </a:ext>
   </a:extLst>
 </a:theme>
